--- a/Block 01/slides/GEO8026_Lecture1.pptx
+++ b/Block 01/slides/GEO8026_Lecture1.pptx
@@ -283,7 +283,7 @@
           <a:p>
             <a:fld id="{1D8BD707-D9CF-40AE-B4C6-C98DA3205C09}" type="datetimeFigureOut">
               <a:rPr lang="en-US"/>
-              <a:t>9/16/2024</a:t>
+              <a:t>9/23/2024</a:t>
             </a:fld>
             <a:endParaRPr lang="en-US"/>
           </a:p>
@@ -460,7 +460,7 @@
           <a:p>
             <a:fld id="{1D8BD707-D9CF-40AE-B4C6-C98DA3205C09}" type="datetimeFigureOut">
               <a:rPr lang="en-US"/>
-              <a:t>9/16/2024</a:t>
+              <a:t>9/23/2024</a:t>
             </a:fld>
             <a:endParaRPr lang="en-US"/>
           </a:p>
@@ -674,7 +674,7 @@
           <a:p>
             <a:fld id="{1D8BD707-D9CF-40AE-B4C6-C98DA3205C09}" type="datetimeFigureOut">
               <a:rPr lang="en-US"/>
-              <a:t>9/16/2024</a:t>
+              <a:t>9/23/2024</a:t>
             </a:fld>
             <a:endParaRPr lang="en-US"/>
           </a:p>
@@ -935,7 +935,7 @@
           <a:p>
             <a:fld id="{1D8BD707-D9CF-40AE-B4C6-C98DA3205C09}" type="datetimeFigureOut">
               <a:rPr lang="en-US"/>
-              <a:t>9/16/2024</a:t>
+              <a:t>9/23/2024</a:t>
             </a:fld>
             <a:endParaRPr lang="en-US"/>
           </a:p>
@@ -1054,7 +1054,7 @@
           <a:p>
             <a:fld id="{1D8BD707-D9CF-40AE-B4C6-C98DA3205C09}" type="datetimeFigureOut">
               <a:rPr lang="en-US"/>
-              <a:t>9/16/2024</a:t>
+              <a:t>9/23/2024</a:t>
             </a:fld>
             <a:endParaRPr lang="en-US"/>
           </a:p>
@@ -1331,7 +1331,7 @@
           <a:p>
             <a:fld id="{1D8BD707-D9CF-40AE-B4C6-C98DA3205C09}" type="datetimeFigureOut">
               <a:rPr lang="en-US"/>
-              <a:t>9/16/2024</a:t>
+              <a:t>9/23/2024</a:t>
             </a:fld>
             <a:endParaRPr lang="en-US"/>
           </a:p>
@@ -6169,7 +6169,7 @@
               </a:rPr>
               <a:t>NaN).</a:t>
             </a:r>
-            <a:endParaRPr sz="1600">
+            <a:endParaRPr sz="1600" dirty="0">
               <a:latin typeface="Arial Rounded MT Bold"/>
               <a:cs typeface="Arial Rounded MT Bold"/>
             </a:endParaRPr>
@@ -6240,7 +6240,7 @@
               </a:rPr>
               <a:t>bits)</a:t>
             </a:r>
-            <a:endParaRPr sz="1600">
+            <a:endParaRPr sz="1600" dirty="0">
               <a:latin typeface="Arial Rounded MT Bold"/>
               <a:cs typeface="Arial Rounded MT Bold"/>
             </a:endParaRPr>
@@ -6391,7 +6391,7 @@
               </a:rPr>
               <a:t>integers</a:t>
             </a:r>
-            <a:endParaRPr sz="1600">
+            <a:endParaRPr sz="1600" dirty="0">
               <a:latin typeface="Arial Rounded MT Bold"/>
               <a:cs typeface="Arial Rounded MT Bold"/>
             </a:endParaRPr>
@@ -7244,42 +7244,140 @@
               </a:rPr>
               <a:t>not</a:t>
             </a:r>
-            <a:endParaRPr sz="1800">
+          </a:p>
+          <a:p>
+            <a:pPr marL="12700" marR="2148205">
+              <a:lnSpc>
+                <a:spcPct val="117700"/>
+              </a:lnSpc>
+              <a:spcBef>
+                <a:spcPts val="5"/>
+              </a:spcBef>
+            </a:pPr>
+            <a:r>
+              <a:rPr sz="1800" spc="-5" dirty="0">
+                <a:latin typeface="Arial Rounded MT Bold"/>
+                <a:cs typeface="Arial Rounded MT Bold"/>
+              </a:rPr>
+              <a:t>AND: used to </a:t>
+            </a:r>
+            <a:r>
+              <a:rPr sz="1800" dirty="0">
+                <a:latin typeface="Arial Rounded MT Bold"/>
+                <a:cs typeface="Arial Rounded MT Bold"/>
+              </a:rPr>
+              <a:t>link </a:t>
+            </a:r>
+            <a:r>
+              <a:rPr sz="1800" spc="-10" dirty="0">
+                <a:latin typeface="Arial Rounded MT Bold"/>
+                <a:cs typeface="Arial Rounded MT Bold"/>
+              </a:rPr>
+              <a:t>expressions  </a:t>
+            </a:r>
+            <a:r>
+              <a:rPr sz="1800" dirty="0">
+                <a:latin typeface="Arial Rounded MT Bold"/>
+                <a:cs typeface="Arial Rounded MT Bold"/>
+              </a:rPr>
+              <a:t>OR: </a:t>
+            </a:r>
+            <a:r>
+              <a:rPr sz="1800" spc="-5" dirty="0">
+                <a:latin typeface="Arial Rounded MT Bold"/>
+                <a:cs typeface="Arial Rounded MT Bold"/>
+              </a:rPr>
+              <a:t>used to </a:t>
+            </a:r>
+            <a:r>
+              <a:rPr sz="1800" dirty="0">
+                <a:latin typeface="Arial Rounded MT Bold"/>
+                <a:cs typeface="Arial Rounded MT Bold"/>
+              </a:rPr>
+              <a:t>link</a:t>
+            </a:r>
+            <a:r>
+              <a:rPr sz="1800" spc="-55" dirty="0">
+                <a:latin typeface="Arial Rounded MT Bold"/>
+                <a:cs typeface="Arial Rounded MT Bold"/>
+              </a:rPr>
+              <a:t> </a:t>
+            </a:r>
+            <a:r>
+              <a:rPr sz="1800" spc="-10" dirty="0">
+                <a:latin typeface="Arial Rounded MT Bold"/>
+                <a:cs typeface="Arial Rounded MT Bold"/>
+              </a:rPr>
+              <a:t>expressions</a:t>
+            </a:r>
+            <a:endParaRPr sz="1800" dirty="0">
               <a:latin typeface="Arial Rounded MT Bold"/>
               <a:cs typeface="Arial Rounded MT Bold"/>
             </a:endParaRPr>
           </a:p>
           <a:p>
-            <a:pPr marL="12700" marR="2148205">
+            <a:pPr marL="12700" marR="5080">
               <a:lnSpc>
                 <a:spcPct val="117700"/>
               </a:lnSpc>
-              <a:spcBef>
-                <a:spcPts val="5"/>
-              </a:spcBef>
             </a:pPr>
             <a:r>
               <a:rPr sz="1800" spc="-5" dirty="0">
                 <a:latin typeface="Arial Rounded MT Bold"/>
                 <a:cs typeface="Arial Rounded MT Bold"/>
               </a:rPr>
-              <a:t>AND: used to </a:t>
+              <a:t>Short-circuit </a:t>
             </a:r>
             <a:r>
               <a:rPr sz="1800" dirty="0">
                 <a:latin typeface="Arial Rounded MT Bold"/>
                 <a:cs typeface="Arial Rounded MT Bold"/>
               </a:rPr>
-              <a:t>link </a:t>
+              <a:t>&amp;: </a:t>
+            </a:r>
+            <a:r>
+              <a:rPr sz="1800" spc="-5" dirty="0">
+                <a:latin typeface="Arial Rounded MT Bold"/>
+                <a:cs typeface="Arial Rounded MT Bold"/>
+              </a:rPr>
+              <a:t>Used </a:t>
+            </a:r>
+            <a:r>
+              <a:rPr sz="1800" dirty="0">
+                <a:latin typeface="Arial Rounded MT Bold"/>
+                <a:cs typeface="Arial Rounded MT Bold"/>
+              </a:rPr>
+              <a:t>on </a:t>
             </a:r>
             <a:r>
               <a:rPr sz="1800" spc="-10" dirty="0">
                 <a:latin typeface="Arial Rounded MT Bold"/>
                 <a:cs typeface="Arial Rounded MT Bold"/>
               </a:rPr>
+              <a:t>two </a:t>
+            </a:r>
+            <a:r>
+              <a:rPr sz="1800" spc="-5" dirty="0">
+                <a:latin typeface="Arial Rounded MT Bold"/>
+                <a:cs typeface="Arial Rounded MT Bold"/>
+              </a:rPr>
+              <a:t>scalar </a:t>
+            </a:r>
+            <a:r>
+              <a:rPr sz="1800" spc="-10" dirty="0">
+                <a:latin typeface="Arial Rounded MT Bold"/>
+                <a:cs typeface="Arial Rounded MT Bold"/>
+              </a:rPr>
               <a:t>expressions  </a:t>
             </a:r>
             <a:r>
+              <a:rPr sz="1800" spc="-5" dirty="0">
+                <a:latin typeface="Arial Rounded MT Bold"/>
+                <a:cs typeface="Arial Rounded MT Bold"/>
+              </a:rPr>
+              <a:t>Short-circuit </a:t>
+            </a:r>
+            <a:r>
               <a:rPr sz="1800" dirty="0">
                 <a:latin typeface="Arial Rounded MT Bold"/>
                 <a:cs typeface="Arial Rounded MT Bold"/>
@@ -7291,17 +7389,31 @@
                 <a:latin typeface="Arial Rounded MT Bold"/>
                 <a:cs typeface="Arial Rounded MT Bold"/>
               </a:rPr>
-              <a:t>used to </a:t>
+              <a:t>Used </a:t>
             </a:r>
             <a:r>
               <a:rPr sz="1800" dirty="0">
                 <a:latin typeface="Arial Rounded MT Bold"/>
                 <a:cs typeface="Arial Rounded MT Bold"/>
               </a:rPr>
-              <a:t>link</a:t>
-            </a:r>
-            <a:r>
-              <a:rPr sz="1800" spc="-55" dirty="0">
+              <a:t>on </a:t>
+            </a:r>
+            <a:r>
+              <a:rPr sz="1800" spc="-10" dirty="0">
+                <a:latin typeface="Arial Rounded MT Bold"/>
+                <a:cs typeface="Arial Rounded MT Bold"/>
+              </a:rPr>
+              <a:t>two </a:t>
+            </a:r>
+            <a:r>
+              <a:rPr sz="1800" spc="-5" dirty="0">
+                <a:latin typeface="Arial Rounded MT Bold"/>
+                <a:cs typeface="Arial Rounded MT Bold"/>
+              </a:rPr>
+              <a:t>scalar</a:t>
+            </a:r>
+            <a:r>
+              <a:rPr sz="1800" spc="-60" dirty="0">
                 <a:latin typeface="Arial Rounded MT Bold"/>
                 <a:cs typeface="Arial Rounded MT Bold"/>
               </a:rPr>
@@ -7314,123 +7426,7 @@
               </a:rPr>
               <a:t>expressions</a:t>
             </a:r>
-            <a:endParaRPr sz="1800">
-              <a:latin typeface="Arial Rounded MT Bold"/>
-              <a:cs typeface="Arial Rounded MT Bold"/>
-            </a:endParaRPr>
-          </a:p>
-          <a:p>
-            <a:pPr marL="12700" marR="5080">
-              <a:lnSpc>
-                <a:spcPct val="117700"/>
-              </a:lnSpc>
-            </a:pPr>
-            <a:r>
-              <a:rPr sz="1800" spc="-5" dirty="0">
-                <a:latin typeface="Arial Rounded MT Bold"/>
-                <a:cs typeface="Arial Rounded MT Bold"/>
-              </a:rPr>
-              <a:t>Short-circuit </a:t>
-            </a:r>
-            <a:r>
-              <a:rPr sz="1800" dirty="0">
-                <a:latin typeface="Arial Rounded MT Bold"/>
-                <a:cs typeface="Arial Rounded MT Bold"/>
-              </a:rPr>
-              <a:t>&amp;: </a:t>
-            </a:r>
-            <a:r>
-              <a:rPr sz="1800" spc="-5" dirty="0">
-                <a:latin typeface="Arial Rounded MT Bold"/>
-                <a:cs typeface="Arial Rounded MT Bold"/>
-              </a:rPr>
-              <a:t>Used </a:t>
-            </a:r>
-            <a:r>
-              <a:rPr sz="1800" dirty="0">
-                <a:latin typeface="Arial Rounded MT Bold"/>
-                <a:cs typeface="Arial Rounded MT Bold"/>
-              </a:rPr>
-              <a:t>on </a:t>
-            </a:r>
-            <a:r>
-              <a:rPr sz="1800" spc="-10" dirty="0">
-                <a:latin typeface="Arial Rounded MT Bold"/>
-                <a:cs typeface="Arial Rounded MT Bold"/>
-              </a:rPr>
-              <a:t>two </a:t>
-            </a:r>
-            <a:r>
-              <a:rPr sz="1800" spc="-5" dirty="0">
-                <a:latin typeface="Arial Rounded MT Bold"/>
-                <a:cs typeface="Arial Rounded MT Bold"/>
-              </a:rPr>
-              <a:t>scalar </a:t>
-            </a:r>
-            <a:r>
-              <a:rPr sz="1800" spc="-10" dirty="0">
-                <a:latin typeface="Arial Rounded MT Bold"/>
-                <a:cs typeface="Arial Rounded MT Bold"/>
-              </a:rPr>
-              <a:t>expressions  </a:t>
-            </a:r>
-            <a:r>
-              <a:rPr sz="1800" spc="-5" dirty="0">
-                <a:latin typeface="Arial Rounded MT Bold"/>
-                <a:cs typeface="Arial Rounded MT Bold"/>
-              </a:rPr>
-              <a:t>Short-circuit </a:t>
-            </a:r>
-            <a:r>
-              <a:rPr sz="1800" dirty="0">
-                <a:latin typeface="Arial Rounded MT Bold"/>
-                <a:cs typeface="Arial Rounded MT Bold"/>
-              </a:rPr>
-              <a:t>OR: </a:t>
-            </a:r>
-            <a:r>
-              <a:rPr sz="1800" spc="-5" dirty="0">
-                <a:latin typeface="Arial Rounded MT Bold"/>
-                <a:cs typeface="Arial Rounded MT Bold"/>
-              </a:rPr>
-              <a:t>Used </a:t>
-            </a:r>
-            <a:r>
-              <a:rPr sz="1800" dirty="0">
-                <a:latin typeface="Arial Rounded MT Bold"/>
-                <a:cs typeface="Arial Rounded MT Bold"/>
-              </a:rPr>
-              <a:t>on </a:t>
-            </a:r>
-            <a:r>
-              <a:rPr sz="1800" spc="-10" dirty="0">
-                <a:latin typeface="Arial Rounded MT Bold"/>
-                <a:cs typeface="Arial Rounded MT Bold"/>
-              </a:rPr>
-              <a:t>two </a:t>
-            </a:r>
-            <a:r>
-              <a:rPr sz="1800" spc="-5" dirty="0">
-                <a:latin typeface="Arial Rounded MT Bold"/>
-                <a:cs typeface="Arial Rounded MT Bold"/>
-              </a:rPr>
-              <a:t>scalar</a:t>
-            </a:r>
-            <a:r>
-              <a:rPr sz="1800" spc="-60" dirty="0">
-                <a:latin typeface="Arial Rounded MT Bold"/>
-                <a:cs typeface="Arial Rounded MT Bold"/>
-              </a:rPr>
-              <a:t> </a:t>
-            </a:r>
-            <a:r>
-              <a:rPr sz="1800" spc="-10" dirty="0">
-                <a:latin typeface="Arial Rounded MT Bold"/>
-                <a:cs typeface="Arial Rounded MT Bold"/>
-              </a:rPr>
-              <a:t>expressions</a:t>
-            </a:r>
-            <a:endParaRPr sz="1800">
+            <a:endParaRPr sz="1800" dirty="0">
               <a:latin typeface="Arial Rounded MT Bold"/>
               <a:cs typeface="Arial Rounded MT Bold"/>
             </a:endParaRPr>
@@ -13935,7 +13931,7 @@
         <p:spPr>
           <a:xfrm>
             <a:off x="372140" y="912535"/>
-            <a:ext cx="11659235" cy="5619115"/>
+            <a:ext cx="11659235" cy="5719323"/>
           </a:xfrm>
           <a:prstGeom prst="rect">
             <a:avLst/>
@@ -14067,12 +14063,138 @@
               </a:rPr>
               <a:t>module)</a:t>
             </a:r>
-            <a:endParaRPr sz="1800">
+          </a:p>
+          <a:p>
+            <a:pPr>
+              <a:lnSpc>
+                <a:spcPct val="100000"/>
+              </a:lnSpc>
+              <a:spcBef>
+                <a:spcPts val="45"/>
+              </a:spcBef>
+            </a:pPr>
+            <a:endParaRPr sz="2700" dirty="0">
               <a:latin typeface="Arial Rounded MT Bold"/>
               <a:cs typeface="Arial Rounded MT Bold"/>
             </a:endParaRPr>
           </a:p>
           <a:p>
+            <a:pPr marL="5428615" marR="69850">
+              <a:lnSpc>
+                <a:spcPts val="1930"/>
+              </a:lnSpc>
+            </a:pPr>
+            <a:r>
+              <a:rPr sz="1800" spc="-15" dirty="0">
+                <a:latin typeface="Arial Rounded MT Bold"/>
+                <a:cs typeface="Arial Rounded MT Bold"/>
+              </a:rPr>
+              <a:t>Avoids </a:t>
+            </a:r>
+            <a:r>
+              <a:rPr sz="1800" spc="-10" dirty="0">
+                <a:latin typeface="Arial Rounded MT Bold"/>
+                <a:cs typeface="Arial Rounded MT Bold"/>
+              </a:rPr>
+              <a:t>having </a:t>
+            </a:r>
+            <a:r>
+              <a:rPr sz="1800" spc="-5" dirty="0">
+                <a:latin typeface="Arial Rounded MT Bold"/>
+                <a:cs typeface="Arial Rounded MT Bold"/>
+              </a:rPr>
+              <a:t>to </a:t>
+            </a:r>
+            <a:r>
+              <a:rPr sz="1800" spc="-30" dirty="0">
+                <a:latin typeface="Arial Rounded MT Bold"/>
+                <a:cs typeface="Arial Rounded MT Bold"/>
+              </a:rPr>
+              <a:t>keep track </a:t>
+            </a:r>
+            <a:r>
+              <a:rPr sz="1800" dirty="0">
+                <a:latin typeface="Arial Rounded MT Bold"/>
+                <a:cs typeface="Arial Rounded MT Bold"/>
+              </a:rPr>
+              <a:t>of </a:t>
+            </a:r>
+            <a:r>
+              <a:rPr sz="1800" spc="-5" dirty="0">
+                <a:latin typeface="Arial Rounded MT Bold"/>
+                <a:cs typeface="Arial Rounded MT Bold"/>
+              </a:rPr>
+              <a:t>multiple </a:t>
+            </a:r>
+            <a:r>
+              <a:rPr sz="1800" spc="-10" dirty="0">
+                <a:latin typeface="Arial Rounded MT Bold"/>
+                <a:cs typeface="Arial Rounded MT Bold"/>
+              </a:rPr>
+              <a:t>versions </a:t>
+            </a:r>
+            <a:r>
+              <a:rPr sz="1800" dirty="0">
+                <a:latin typeface="Arial Rounded MT Bold"/>
+                <a:cs typeface="Arial Rounded MT Bold"/>
+              </a:rPr>
+              <a:t>on </a:t>
+            </a:r>
+            <a:r>
+              <a:rPr sz="1800" spc="-5" dirty="0">
+                <a:latin typeface="Arial Rounded MT Bold"/>
+                <a:cs typeface="Arial Rounded MT Bold"/>
+              </a:rPr>
+              <a:t>your  computer </a:t>
+            </a:r>
+            <a:r>
+              <a:rPr sz="1800" spc="-40" dirty="0">
+                <a:latin typeface="Arial Rounded MT Bold"/>
+                <a:cs typeface="Arial Rounded MT Bold"/>
+              </a:rPr>
+              <a:t>e.g. </a:t>
+            </a:r>
+            <a:r>
+              <a:rPr sz="1800" spc="-5" dirty="0">
+                <a:latin typeface="Arial Rounded MT Bold"/>
+                <a:cs typeface="Arial Rounded MT Bold"/>
+              </a:rPr>
+              <a:t>v1, </a:t>
+            </a:r>
+            <a:r>
+              <a:rPr sz="1800" dirty="0">
+                <a:latin typeface="Arial Rounded MT Bold"/>
+                <a:cs typeface="Arial Rounded MT Bold"/>
+              </a:rPr>
+              <a:t>…, </a:t>
+            </a:r>
+            <a:r>
+              <a:rPr sz="1800" spc="-5" dirty="0">
+                <a:latin typeface="Arial Rounded MT Bold"/>
+                <a:cs typeface="Arial Rounded MT Bold"/>
+              </a:rPr>
+              <a:t>v9,</a:t>
+            </a:r>
+            <a:r>
+              <a:rPr sz="1800" spc="20" dirty="0">
+                <a:latin typeface="Arial Rounded MT Bold"/>
+                <a:cs typeface="Arial Rounded MT Bold"/>
+              </a:rPr>
+              <a:t> </a:t>
+            </a:r>
+            <a:r>
+              <a:rPr sz="1800" spc="-5" dirty="0">
+                <a:latin typeface="Arial Rounded MT Bold"/>
+                <a:cs typeface="Arial Rounded MT Bold"/>
+              </a:rPr>
+              <a:t>etc</a:t>
+            </a:r>
+            <a:endParaRPr sz="1800" dirty="0">
+              <a:latin typeface="Arial Rounded MT Bold"/>
+              <a:cs typeface="Arial Rounded MT Bold"/>
+            </a:endParaRPr>
+          </a:p>
+          <a:p>
             <a:pPr>
               <a:lnSpc>
                 <a:spcPct val="100000"/>
@@ -14081,123 +14203,95 @@
                 <a:spcPts val="45"/>
               </a:spcBef>
             </a:pPr>
-            <a:endParaRPr sz="2700">
+            <a:endParaRPr sz="2700" dirty="0">
               <a:latin typeface="Arial Rounded MT Bold"/>
               <a:cs typeface="Arial Rounded MT Bold"/>
             </a:endParaRPr>
           </a:p>
           <a:p>
-            <a:pPr marL="5428615" marR="69850">
+            <a:pPr marL="5428615" marR="668020">
               <a:lnSpc>
                 <a:spcPts val="1930"/>
               </a:lnSpc>
             </a:pPr>
             <a:r>
+              <a:rPr sz="1800" dirty="0">
+                <a:latin typeface="Arial Rounded MT Bold"/>
+                <a:cs typeface="Arial Rounded MT Bold"/>
+              </a:rPr>
+              <a:t>All </a:t>
+            </a:r>
+            <a:r>
               <a:rPr sz="1800" spc="-15" dirty="0">
                 <a:latin typeface="Arial Rounded MT Bold"/>
                 <a:cs typeface="Arial Rounded MT Bold"/>
               </a:rPr>
-              <a:t>Avoids </a:t>
-            </a:r>
-            <a:r>
-              <a:rPr sz="1800" spc="-10" dirty="0">
-                <a:latin typeface="Arial Rounded MT Bold"/>
-                <a:cs typeface="Arial Rounded MT Bold"/>
-              </a:rPr>
-              <a:t>having </a:t>
+              <a:t>changes </a:t>
             </a:r>
             <a:r>
               <a:rPr sz="1800" spc="-5" dirty="0">
                 <a:latin typeface="Arial Rounded MT Bold"/>
                 <a:cs typeface="Arial Rounded MT Bold"/>
               </a:rPr>
-              <a:t>to </a:t>
-            </a:r>
-            <a:r>
-              <a:rPr sz="1800" spc="-30" dirty="0">
-                <a:latin typeface="Arial Rounded MT Bold"/>
-                <a:cs typeface="Arial Rounded MT Bold"/>
-              </a:rPr>
-              <a:t>keep track </a:t>
+              <a:t>to the uploaded </a:t>
             </a:r>
             <a:r>
               <a:rPr sz="1800" dirty="0">
                 <a:latin typeface="Arial Rounded MT Bold"/>
                 <a:cs typeface="Arial Rounded MT Bold"/>
               </a:rPr>
-              <a:t>of </a:t>
+              <a:t>files </a:t>
             </a:r>
             <a:r>
               <a:rPr sz="1800" spc="-5" dirty="0">
                 <a:latin typeface="Arial Rounded MT Bold"/>
                 <a:cs typeface="Arial Rounded MT Bold"/>
               </a:rPr>
-              <a:t>multiple </a:t>
-            </a:r>
-            <a:r>
-              <a:rPr sz="1800" spc="-10" dirty="0">
-                <a:latin typeface="Arial Rounded MT Bold"/>
-                <a:cs typeface="Arial Rounded MT Bold"/>
-              </a:rPr>
-              <a:t>versions </a:t>
+              <a:t>(commits) can </a:t>
             </a:r>
             <a:r>
               <a:rPr sz="1800" dirty="0">
                 <a:latin typeface="Arial Rounded MT Bold"/>
                 <a:cs typeface="Arial Rounded MT Bold"/>
               </a:rPr>
-              <a:t>on </a:t>
+              <a:t>be  </a:t>
+            </a:r>
+            <a:r>
+              <a:rPr sz="1800" spc="-15" dirty="0">
+                <a:latin typeface="Arial Rounded MT Bold"/>
+                <a:cs typeface="Arial Rounded MT Bold"/>
+              </a:rPr>
+              <a:t>viewed </a:t>
             </a:r>
             <a:r>
               <a:rPr sz="1800" spc="-5" dirty="0">
                 <a:latin typeface="Arial Rounded MT Bold"/>
                 <a:cs typeface="Arial Rounded MT Bold"/>
               </a:rPr>
-              <a:t>your  computer </a:t>
-            </a:r>
-            <a:r>
-              <a:rPr sz="1800" spc="-40" dirty="0">
-                <a:latin typeface="Arial Rounded MT Bold"/>
-                <a:cs typeface="Arial Rounded MT Bold"/>
-              </a:rPr>
-              <a:t>e.g. </a:t>
-            </a:r>
-            <a:r>
-              <a:rPr sz="1800" spc="-5" dirty="0">
-                <a:latin typeface="Arial Rounded MT Bold"/>
-                <a:cs typeface="Arial Rounded MT Bold"/>
-              </a:rPr>
-              <a:t>v1, </a:t>
-            </a:r>
-            <a:r>
-              <a:rPr sz="1800" dirty="0">
-                <a:latin typeface="Arial Rounded MT Bold"/>
-                <a:cs typeface="Arial Rounded MT Bold"/>
-              </a:rPr>
-              <a:t>…, </a:t>
-            </a:r>
-            <a:r>
-              <a:rPr sz="1800" spc="-5" dirty="0">
-                <a:latin typeface="Arial Rounded MT Bold"/>
-                <a:cs typeface="Arial Rounded MT Bold"/>
-              </a:rPr>
-              <a:t>v9,</a:t>
-            </a:r>
-            <a:r>
-              <a:rPr sz="1800" spc="20" dirty="0">
+              <a:t>and </a:t>
+            </a:r>
+            <a:r>
+              <a:rPr sz="1800" spc="-20" dirty="0">
+                <a:latin typeface="Arial Rounded MT Bold"/>
+                <a:cs typeface="Arial Rounded MT Bold"/>
+              </a:rPr>
+              <a:t>changes are</a:t>
+            </a:r>
+            <a:r>
+              <a:rPr sz="1800" spc="35" dirty="0">
                 <a:latin typeface="Arial Rounded MT Bold"/>
                 <a:cs typeface="Arial Rounded MT Bold"/>
               </a:rPr>
               <a:t> </a:t>
             </a:r>
             <a:r>
-              <a:rPr sz="1800" spc="-5" dirty="0">
-                <a:latin typeface="Arial Rounded MT Bold"/>
-                <a:cs typeface="Arial Rounded MT Bold"/>
-              </a:rPr>
-              <a:t>etc</a:t>
-            </a:r>
-            <a:endParaRPr sz="1800">
+              <a:rPr sz="1800" spc="-25" dirty="0">
+                <a:latin typeface="Arial Rounded MT Bold"/>
+                <a:cs typeface="Arial Rounded MT Bold"/>
+              </a:rPr>
+              <a:t>reversable</a:t>
+            </a:r>
+            <a:endParaRPr sz="1800" dirty="0">
               <a:latin typeface="Arial Rounded MT Bold"/>
               <a:cs typeface="Arial Rounded MT Bold"/>
             </a:endParaRPr>
@@ -14208,98 +14302,87 @@
                 <a:spcPct val="100000"/>
               </a:lnSpc>
               <a:spcBef>
-                <a:spcPts val="45"/>
+                <a:spcPts val="10"/>
               </a:spcBef>
             </a:pPr>
-            <a:endParaRPr sz="2700">
+            <a:endParaRPr sz="2500" dirty="0">
               <a:latin typeface="Arial Rounded MT Bold"/>
               <a:cs typeface="Arial Rounded MT Bold"/>
             </a:endParaRPr>
           </a:p>
           <a:p>
-            <a:pPr marL="5428615" marR="668020">
-              <a:lnSpc>
-                <a:spcPts val="1930"/>
-              </a:lnSpc>
+            <a:pPr marL="5428615">
+              <a:lnSpc>
+                <a:spcPct val="100000"/>
+              </a:lnSpc>
+              <a:spcBef>
+                <a:spcPts val="5"/>
+              </a:spcBef>
             </a:pPr>
             <a:r>
               <a:rPr sz="1800" dirty="0">
                 <a:latin typeface="Arial Rounded MT Bold"/>
                 <a:cs typeface="Arial Rounded MT Bold"/>
               </a:rPr>
-              <a:t>All </a:t>
-            </a:r>
-            <a:r>
-              <a:rPr sz="1800" spc="-15" dirty="0">
-                <a:latin typeface="Arial Rounded MT Bold"/>
-                <a:cs typeface="Arial Rounded MT Bold"/>
-              </a:rPr>
-              <a:t>changes </a:t>
+              <a:t>Good </a:t>
+            </a:r>
+            <a:r>
+              <a:rPr sz="1800" spc="-10" dirty="0">
+                <a:latin typeface="Arial Rounded MT Bold"/>
+                <a:cs typeface="Arial Rounded MT Bold"/>
+              </a:rPr>
+              <a:t>practice </a:t>
             </a:r>
             <a:r>
               <a:rPr sz="1800" spc="-5" dirty="0">
                 <a:latin typeface="Arial Rounded MT Bold"/>
                 <a:cs typeface="Arial Rounded MT Bold"/>
               </a:rPr>
-              <a:t>to the uploaded </a:t>
+              <a:t>when </a:t>
+            </a:r>
+            <a:r>
+              <a:rPr sz="1800" spc="-20" dirty="0">
+                <a:latin typeface="Arial Rounded MT Bold"/>
+                <a:cs typeface="Arial Rounded MT Bold"/>
+              </a:rPr>
+              <a:t>working </a:t>
+            </a:r>
+            <a:r>
+              <a:rPr sz="1800" spc="-5" dirty="0">
+                <a:latin typeface="Arial Rounded MT Bold"/>
+                <a:cs typeface="Arial Rounded MT Bold"/>
+              </a:rPr>
+              <a:t>within </a:t>
             </a:r>
             <a:r>
               <a:rPr sz="1800" dirty="0">
                 <a:latin typeface="Arial Rounded MT Bold"/>
                 <a:cs typeface="Arial Rounded MT Bold"/>
               </a:rPr>
-              <a:t>files </a:t>
+              <a:t>a </a:t>
             </a:r>
             <a:r>
               <a:rPr sz="1800" spc="-5" dirty="0">
                 <a:latin typeface="Arial Rounded MT Bold"/>
                 <a:cs typeface="Arial Rounded MT Bold"/>
               </a:rPr>
-              <a:t>(commits) can </a:t>
-            </a:r>
-            <a:r>
-              <a:rPr sz="1800" dirty="0">
-                <a:latin typeface="Arial Rounded MT Bold"/>
-                <a:cs typeface="Arial Rounded MT Bold"/>
-              </a:rPr>
-              <a:t>be  </a:t>
-            </a:r>
-            <a:r>
-              <a:rPr sz="1800" spc="-15" dirty="0">
-                <a:latin typeface="Arial Rounded MT Bold"/>
-                <a:cs typeface="Arial Rounded MT Bold"/>
-              </a:rPr>
-              <a:t>viewed </a:t>
-            </a:r>
-            <a:r>
-              <a:rPr sz="1800" spc="-5" dirty="0">
-                <a:latin typeface="Arial Rounded MT Bold"/>
-                <a:cs typeface="Arial Rounded MT Bold"/>
-              </a:rPr>
-              <a:t>and </a:t>
-            </a:r>
-            <a:r>
-              <a:rPr sz="1800" spc="-20" dirty="0">
-                <a:latin typeface="Arial Rounded MT Bold"/>
-                <a:cs typeface="Arial Rounded MT Bold"/>
-              </a:rPr>
-              <a:t>changes are</a:t>
-            </a:r>
-            <a:r>
-              <a:rPr sz="1800" spc="35" dirty="0">
+              <a:t>team</a:t>
+            </a:r>
+            <a:r>
+              <a:rPr sz="1800" spc="-35" dirty="0">
                 <a:latin typeface="Arial Rounded MT Bold"/>
                 <a:cs typeface="Arial Rounded MT Bold"/>
               </a:rPr>
               <a:t> </a:t>
             </a:r>
             <a:r>
-              <a:rPr sz="1800" spc="-25" dirty="0">
-                <a:latin typeface="Arial Rounded MT Bold"/>
-                <a:cs typeface="Arial Rounded MT Bold"/>
-              </a:rPr>
-              <a:t>reversable</a:t>
-            </a:r>
-            <a:endParaRPr sz="1800">
+              <a:rPr sz="1800" spc="-10" dirty="0">
+                <a:latin typeface="Arial Rounded MT Bold"/>
+                <a:cs typeface="Arial Rounded MT Bold"/>
+              </a:rPr>
+              <a:t>environment</a:t>
+            </a:r>
+            <a:endParaRPr sz="1800" dirty="0">
               <a:latin typeface="Arial Rounded MT Bold"/>
               <a:cs typeface="Arial Rounded MT Bold"/>
             </a:endParaRPr>
@@ -14310,87 +14393,108 @@
                 <a:spcPct val="100000"/>
               </a:lnSpc>
               <a:spcBef>
-                <a:spcPts val="10"/>
+                <a:spcPts val="20"/>
               </a:spcBef>
             </a:pPr>
-            <a:endParaRPr sz="2500">
+            <a:endParaRPr sz="3100" dirty="0">
               <a:latin typeface="Arial Rounded MT Bold"/>
               <a:cs typeface="Arial Rounded MT Bold"/>
             </a:endParaRPr>
           </a:p>
           <a:p>
-            <a:pPr marL="5428615">
-              <a:lnSpc>
-                <a:spcPct val="100000"/>
+            <a:pPr marL="12700" marR="7200265">
+              <a:lnSpc>
+                <a:spcPts val="2150"/>
               </a:lnSpc>
               <a:spcBef>
                 <a:spcPts val="5"/>
               </a:spcBef>
             </a:pPr>
             <a:r>
+              <a:rPr sz="1800" spc="-10" dirty="0">
+                <a:latin typeface="Arial Rounded MT Bold"/>
+                <a:cs typeface="Arial Rounded MT Bold"/>
+              </a:rPr>
+              <a:t>Ensure </a:t>
+            </a:r>
+            <a:r>
+              <a:rPr sz="1800" spc="-15" dirty="0">
+                <a:latin typeface="Arial Rounded MT Bold"/>
+                <a:cs typeface="Arial Rounded MT Bold"/>
+              </a:rPr>
+              <a:t>that </a:t>
+            </a:r>
+            <a:r>
+              <a:rPr sz="1800" spc="-5" dirty="0">
+                <a:latin typeface="Arial Rounded MT Bold"/>
+                <a:cs typeface="Arial Rounded MT Bold"/>
+              </a:rPr>
+              <a:t>your </a:t>
+            </a:r>
+            <a:r>
+              <a:rPr sz="1800" spc="-15" dirty="0">
+                <a:latin typeface="Arial Rounded MT Bold"/>
+                <a:cs typeface="Arial Rounded MT Bold"/>
+              </a:rPr>
+              <a:t>data </a:t>
+            </a:r>
+            <a:r>
               <a:rPr sz="1800" dirty="0">
                 <a:latin typeface="Arial Rounded MT Bold"/>
                 <a:cs typeface="Arial Rounded MT Bold"/>
               </a:rPr>
-              <a:t>Good </a:t>
+              <a:t>is </a:t>
+            </a:r>
+            <a:r>
+              <a:rPr sz="1800" spc="-5" dirty="0">
+                <a:latin typeface="Arial Rounded MT Bold"/>
+                <a:cs typeface="Arial Rounded MT Bold"/>
+              </a:rPr>
+              <a:t>hosted </a:t>
+            </a:r>
+            <a:r>
+              <a:rPr sz="1800" dirty="0">
+                <a:latin typeface="Arial Rounded MT Bold"/>
+                <a:cs typeface="Arial Rounded MT Bold"/>
+              </a:rPr>
+              <a:t>online </a:t>
+            </a:r>
+            <a:r>
+              <a:rPr sz="1800" spc="-5" dirty="0">
+                <a:latin typeface="Arial Rounded MT Bold"/>
+                <a:cs typeface="Arial Rounded MT Bold"/>
+              </a:rPr>
+              <a:t>to  </a:t>
             </a:r>
             <a:r>
               <a:rPr sz="1800" spc="-10" dirty="0">
                 <a:latin typeface="Arial Rounded MT Bold"/>
                 <a:cs typeface="Arial Rounded MT Bold"/>
               </a:rPr>
-              <a:t>practice </a:t>
+              <a:t>ensure </a:t>
             </a:r>
             <a:r>
               <a:rPr sz="1800" spc="-5" dirty="0">
                 <a:latin typeface="Arial Rounded MT Bold"/>
                 <a:cs typeface="Arial Rounded MT Bold"/>
               </a:rPr>
-              <a:t>when </a:t>
+              <a:t>outputs can </a:t>
+            </a:r>
+            <a:r>
+              <a:rPr sz="1800" dirty="0">
+                <a:latin typeface="Arial Rounded MT Bold"/>
+                <a:cs typeface="Arial Rounded MT Bold"/>
+              </a:rPr>
+              <a:t>be</a:t>
             </a:r>
             <a:r>
               <a:rPr sz="1800" spc="-20" dirty="0">
                 <a:latin typeface="Arial Rounded MT Bold"/>
                 <a:cs typeface="Arial Rounded MT Bold"/>
               </a:rPr>
-              <a:t>working </a:t>
-            </a:r>
-            <a:r>
-              <a:rPr sz="1800" spc="-5" dirty="0">
-                <a:latin typeface="Arial Rounded MT Bold"/>
-                <a:cs typeface="Arial Rounded MT Bold"/>
-              </a:rPr>
-              <a:t>within </a:t>
-            </a:r>
-            <a:r>
-              <a:rPr sz="1800" dirty="0">
-                <a:latin typeface="Arial Rounded MT Bold"/>
-                <a:cs typeface="Arial Rounded MT Bold"/>
-              </a:rPr>
-              <a:t>a </a:t>
-            </a:r>
-            <a:r>
-              <a:rPr sz="1800" spc="-5" dirty="0">
-                <a:latin typeface="Arial Rounded MT Bold"/>
-                <a:cs typeface="Arial Rounded MT Bold"/>
-              </a:rPr>
-              <a:t>team</a:t>
-            </a:r>
-            <a:r>
-              <a:rPr sz="1800" spc="-35" dirty="0">
-                <a:latin typeface="Arial Rounded MT Bold"/>
-                <a:cs typeface="Arial Rounded MT Bold"/>
-              </a:rPr>
-              <a:t> </a:t>
-            </a:r>
-            <a:r>
-              <a:rPr sz="1800" spc="-10" dirty="0">
-                <a:latin typeface="Arial Rounded MT Bold"/>
-                <a:cs typeface="Arial Rounded MT Bold"/>
-              </a:rPr>
-              <a:t>environment</a:t>
-            </a:r>
-            <a:endParaRPr sz="1800">
+              <a:t> reproduced</a:t>
+            </a:r>
+            <a:endParaRPr sz="1800" dirty="0">
               <a:latin typeface="Arial Rounded MT Bold"/>
               <a:cs typeface="Arial Rounded MT Bold"/>
             </a:endParaRPr>
@@ -14401,108 +14505,84 @@
                 <a:spcPct val="100000"/>
               </a:lnSpc>
               <a:spcBef>
-                <a:spcPts val="20"/>
+                <a:spcPts val="35"/>
               </a:spcBef>
             </a:pPr>
-            <a:endParaRPr sz="3100">
+            <a:endParaRPr sz="1850" dirty="0">
               <a:latin typeface="Arial Rounded MT Bold"/>
               <a:cs typeface="Arial Rounded MT Bold"/>
             </a:endParaRPr>
           </a:p>
           <a:p>
-            <a:pPr marL="12700" marR="7200265">
+            <a:pPr marL="12700" marR="6773545">
               <a:lnSpc>
                 <a:spcPts val="2150"/>
               </a:lnSpc>
-              <a:spcBef>
-                <a:spcPts val="5"/>
-              </a:spcBef>
             </a:pPr>
             <a:r>
               <a:rPr sz="1800" spc="-10" dirty="0">
                 <a:latin typeface="Arial Rounded MT Bold"/>
                 <a:cs typeface="Arial Rounded MT Bold"/>
               </a:rPr>
-              <a:t>Ensure </a:t>
+              <a:t>This </a:t>
+            </a:r>
+            <a:r>
+              <a:rPr sz="1800" spc="-5" dirty="0">
+                <a:latin typeface="Arial Rounded MT Bold"/>
+                <a:cs typeface="Arial Rounded MT Bold"/>
+              </a:rPr>
+              <a:t>should </a:t>
+            </a:r>
+            <a:r>
+              <a:rPr sz="1800" dirty="0">
+                <a:latin typeface="Arial Rounded MT Bold"/>
+                <a:cs typeface="Arial Rounded MT Bold"/>
+              </a:rPr>
+              <a:t>be </a:t>
+            </a:r>
+            <a:r>
+              <a:rPr lang="en-GB" sz="1800" spc="-10" dirty="0">
+                <a:latin typeface="Arial Rounded MT Bold"/>
+                <a:cs typeface="Arial Rounded MT Bold"/>
+              </a:rPr>
+              <a:t>made</a:t>
+            </a:r>
+            <a:r>
+              <a:rPr sz="1800" spc="-10" dirty="0">
+                <a:latin typeface="Arial Rounded MT Bold"/>
+                <a:cs typeface="Arial Rounded MT Bold"/>
+              </a:rPr>
+              <a:t> accessible </a:t>
+            </a:r>
+            <a:r>
+              <a:rPr sz="1800" spc="-5" dirty="0">
+                <a:latin typeface="Arial Rounded MT Bold"/>
+                <a:cs typeface="Arial Rounded MT Bold"/>
+              </a:rPr>
+              <a:t>to </a:t>
+            </a:r>
+            <a:r>
+              <a:rPr sz="1800" spc="-10" dirty="0">
+                <a:latin typeface="Arial Rounded MT Bold"/>
+                <a:cs typeface="Arial Rounded MT Bold"/>
+              </a:rPr>
+              <a:t>ensure  </a:t>
+            </a:r>
+            <a:r>
+              <a:rPr sz="1800" spc="-5" dirty="0">
+                <a:latin typeface="Arial Rounded MT Bold"/>
+                <a:cs typeface="Arial Rounded MT Bold"/>
+              </a:rPr>
+              <a:t>the code completes</a:t>
             </a:r>
             <a:r>
               <a:rPr sz="1800" spc="-15" dirty="0">
                 <a:latin typeface="Arial Rounded MT Bold"/>
                 <a:cs typeface="Arial Rounded MT Bold"/>
               </a:rPr>
-              <a:t>that </a:t>
-            </a:r>
-            <a:r>
-              <a:rPr sz="1800" spc="-5" dirty="0">
-                <a:latin typeface="Arial Rounded MT Bold"/>
-                <a:cs typeface="Arial Rounded MT Bold"/>
-              </a:rPr>
-              <a:t>your </a:t>
-            </a:r>
-            <a:r>
-              <a:rPr sz="1800" spc="-15" dirty="0">
-                <a:latin typeface="Arial Rounded MT Bold"/>
-                <a:cs typeface="Arial Rounded MT Bold"/>
-              </a:rPr>
-              <a:t>data </a:t>
-            </a:r>
-            <a:r>
-              <a:rPr sz="1800" dirty="0">
-                <a:latin typeface="Arial Rounded MT Bold"/>
-                <a:cs typeface="Arial Rounded MT Bold"/>
-              </a:rPr>
-              <a:t>is </a:t>
-            </a:r>
-            <a:r>
-              <a:rPr sz="1800" spc="-5" dirty="0">
-                <a:latin typeface="Arial Rounded MT Bold"/>
-                <a:cs typeface="Arial Rounded MT Bold"/>
-              </a:rPr>
-              <a:t>hosted </a:t>
-            </a:r>
-            <a:r>
-              <a:rPr sz="1800" dirty="0">
-                <a:latin typeface="Arial Rounded MT Bold"/>
-                <a:cs typeface="Arial Rounded MT Bold"/>
-              </a:rPr>
-              <a:t>online </a:t>
-            </a:r>
-            <a:r>
-              <a:rPr sz="1800" spc="-5" dirty="0">
-                <a:latin typeface="Arial Rounded MT Bold"/>
-                <a:cs typeface="Arial Rounded MT Bold"/>
-              </a:rPr>
-              <a:t>to  </a:t>
-            </a:r>
-            <a:r>
-              <a:rPr sz="1800" spc="-10" dirty="0">
-                <a:latin typeface="Arial Rounded MT Bold"/>
-                <a:cs typeface="Arial Rounded MT Bold"/>
-              </a:rPr>
-              <a:t>ensure </a:t>
-            </a:r>
-            <a:r>
-              <a:rPr sz="1800" spc="-5" dirty="0">
-                <a:latin typeface="Arial Rounded MT Bold"/>
-                <a:cs typeface="Arial Rounded MT Bold"/>
-              </a:rPr>
-              <a:t>outputs can </a:t>
-            </a:r>
-            <a:r>
-              <a:rPr sz="1800" dirty="0">
-                <a:latin typeface="Arial Rounded MT Bold"/>
-                <a:cs typeface="Arial Rounded MT Bold"/>
-              </a:rPr>
-              <a:t>be</a:t>
-            </a:r>
-            <a:r>
-              <a:rPr sz="1800" spc="-20" dirty="0">
-                <a:latin typeface="Arial Rounded MT Bold"/>
-                <a:cs typeface="Arial Rounded MT Bold"/>
-              </a:rPr>
-              <a:t> reproduced</a:t>
-            </a:r>
-            <a:endParaRPr sz="1800">
+              <a:t> properly</a:t>
+            </a:r>
+            <a:endParaRPr sz="1800" dirty="0">
               <a:latin typeface="Arial Rounded MT Bold"/>
               <a:cs typeface="Arial Rounded MT Bold"/>
             </a:endParaRPr>
@@ -14513,151 +14593,70 @@
                 <a:spcPct val="100000"/>
               </a:lnSpc>
               <a:spcBef>
-                <a:spcPts val="35"/>
+                <a:spcPts val="40"/>
               </a:spcBef>
             </a:pPr>
-            <a:endParaRPr sz="1850">
+            <a:endParaRPr sz="1850" dirty="0">
               <a:latin typeface="Arial Rounded MT Bold"/>
               <a:cs typeface="Arial Rounded MT Bold"/>
             </a:endParaRPr>
           </a:p>
           <a:p>
-            <a:pPr marL="12700" marR="6773545">
+            <a:pPr marL="12700" marR="7124065">
               <a:lnSpc>
                 <a:spcPts val="2150"/>
               </a:lnSpc>
             </a:pPr>
             <a:r>
+              <a:rPr sz="1800" spc="-5" dirty="0">
+                <a:latin typeface="Arial Rounded MT Bold"/>
+                <a:cs typeface="Arial Rounded MT Bold"/>
+              </a:rPr>
+              <a:t>Needs to </a:t>
+            </a:r>
+            <a:r>
+              <a:rPr sz="1800" dirty="0">
+                <a:latin typeface="Arial Rounded MT Bold"/>
+                <a:cs typeface="Arial Rounded MT Bold"/>
+              </a:rPr>
+              <a:t>be </a:t>
+            </a:r>
+            <a:r>
               <a:rPr sz="1800" spc="-10" dirty="0">
                 <a:latin typeface="Arial Rounded MT Bold"/>
                 <a:cs typeface="Arial Rounded MT Bold"/>
               </a:rPr>
-              <a:t>This </a:t>
+              <a:t>shared </a:t>
+            </a:r>
+            <a:r>
+              <a:rPr sz="1800" dirty="0">
+                <a:latin typeface="Arial Rounded MT Bold"/>
+                <a:cs typeface="Arial Rounded MT Bold"/>
+              </a:rPr>
+              <a:t>during </a:t>
             </a:r>
             <a:r>
               <a:rPr sz="1800" spc="-5" dirty="0">
                 <a:latin typeface="Arial Rounded MT Bold"/>
                 <a:cs typeface="Arial Rounded MT Bold"/>
               </a:rPr>
-              <a:t>should </a:t>
+              <a:t>submission </a:t>
             </a:r>
             <a:r>
               <a:rPr sz="1800" dirty="0">
                 <a:latin typeface="Arial Rounded MT Bold"/>
                 <a:cs typeface="Arial Rounded MT Bold"/>
               </a:rPr>
-              <a:t>be </a:t>
-            </a:r>
-            <a:r>
-              <a:rPr sz="1800" spc="-10" dirty="0">
-                <a:latin typeface="Arial Rounded MT Bold"/>
-                <a:cs typeface="Arial Rounded MT Bold"/>
-              </a:rPr>
-              <a:t>publicly accessible </a:t>
+              <a:t>of </a:t>
             </a:r>
             <a:r>
               <a:rPr sz="1800" spc="-5" dirty="0">
                 <a:latin typeface="Arial Rounded MT Bold"/>
                 <a:cs typeface="Arial Rounded MT Bold"/>
               </a:rPr>
-              <a:t>to </a:t>
-            </a:r>
-            <a:r>
-              <a:rPr sz="1800" spc="-10" dirty="0">
-                <a:latin typeface="Arial Rounded MT Bold"/>
-                <a:cs typeface="Arial Rounded MT Bold"/>
-              </a:rPr>
-              <a:t>ensure  </a:t>
-            </a:r>
-            <a:r>
-              <a:rPr sz="1800" spc="-5" dirty="0">
-                <a:latin typeface="Arial Rounded MT Bold"/>
-                <a:cs typeface="Arial Rounded MT Bold"/>
-              </a:rPr>
-              <a:t>the code completes</a:t>
-            </a:r>
-            <a:r>
-              <a:rPr sz="1800" spc="-15" dirty="0">
-                <a:latin typeface="Arial Rounded MT Bold"/>
-                <a:cs typeface="Arial Rounded MT Bold"/>
-              </a:rPr>
-              <a:t> properly</a:t>
-            </a:r>
-            <a:endParaRPr sz="1800">
-              <a:latin typeface="Arial Rounded MT Bold"/>
-              <a:cs typeface="Arial Rounded MT Bold"/>
-            </a:endParaRPr>
-          </a:p>
-          <a:p>
-            <a:pPr>
-              <a:lnSpc>
-                <a:spcPct val="100000"/>
-              </a:lnSpc>
-              <a:spcBef>
-                <a:spcPts val="40"/>
-              </a:spcBef>
-            </a:pPr>
-            <a:endParaRPr sz="1850">
-              <a:latin typeface="Arial Rounded MT Bold"/>
-              <a:cs typeface="Arial Rounded MT Bold"/>
-            </a:endParaRPr>
-          </a:p>
-          <a:p>
-            <a:pPr marL="12700" marR="7124065">
-              <a:lnSpc>
-                <a:spcPts val="2150"/>
-              </a:lnSpc>
-            </a:pPr>
-            <a:r>
-              <a:rPr sz="1800" spc="-5" dirty="0">
-                <a:latin typeface="Arial Rounded MT Bold"/>
-                <a:cs typeface="Arial Rounded MT Bold"/>
-              </a:rPr>
-              <a:t>Needs to </a:t>
-            </a:r>
-            <a:r>
-              <a:rPr sz="1800" dirty="0">
-                <a:latin typeface="Arial Rounded MT Bold"/>
-                <a:cs typeface="Arial Rounded MT Bold"/>
-              </a:rPr>
-              <a:t>be </a:t>
-            </a:r>
-            <a:r>
-              <a:rPr sz="1800" spc="-10" dirty="0">
-                <a:latin typeface="Arial Rounded MT Bold"/>
-                <a:cs typeface="Arial Rounded MT Bold"/>
-              </a:rPr>
-              <a:t>shared </a:t>
-            </a:r>
-            <a:r>
-              <a:rPr sz="1800" dirty="0">
-                <a:latin typeface="Arial Rounded MT Bold"/>
-                <a:cs typeface="Arial Rounded MT Bold"/>
-              </a:rPr>
-              <a:t>during </a:t>
-            </a:r>
-            <a:r>
-              <a:rPr sz="1800" spc="-5" dirty="0">
-                <a:latin typeface="Arial Rounded MT Bold"/>
-                <a:cs typeface="Arial Rounded MT Bold"/>
-              </a:rPr>
-              <a:t>submission </a:t>
-            </a:r>
-            <a:r>
-              <a:rPr sz="1800" dirty="0">
-                <a:latin typeface="Arial Rounded MT Bold"/>
-                <a:cs typeface="Arial Rounded MT Bold"/>
-              </a:rPr>
-              <a:t>of  </a:t>
-            </a:r>
-            <a:r>
-              <a:rPr sz="1800" spc="-5" dirty="0">
-                <a:latin typeface="Arial Rounded MT Bold"/>
-                <a:cs typeface="Arial Rounded MT Bold"/>
-              </a:rPr>
               <a:t>portfolio</a:t>
             </a:r>
-            <a:endParaRPr sz="1800">
+            <a:endParaRPr sz="1800" dirty="0">
               <a:latin typeface="Arial Rounded MT Bold"/>
               <a:cs typeface="Arial Rounded MT Bold"/>
             </a:endParaRPr>
